--- a/EMP/Plan de Empresa/Plan_de_empresa.pptx
+++ b/EMP/Plan de Empresa/Plan_de_empresa.pptx
@@ -134,6 +134,11 @@
       </a:defRPr>
     </a:lvl9pPr>
   </p:defaultTextStyle>
+  <p:extLst>
+    <p:ext uri="{EFAFB233-063F-42B5-8137-9DF3F51BA10A}">
+      <p15:sldGuideLst xmlns:p15="http://schemas.microsoft.com/office/powerpoint/2012/main"/>
+    </p:ext>
+  </p:extLst>
 </p:presentation>
 </file>
 
@@ -307,7 +312,7 @@
           <a:p>
             <a:fld id="{B342C968-9667-4170-8EFF-088DC1B6DA55}" type="datetimeFigureOut">
               <a:rPr lang="en-US" smtClean="0"/>
-              <a:t>3/10/2022</a:t>
+              <a:t>3/11/2022</a:t>
             </a:fld>
             <a:endParaRPr lang="en-US"/>
           </a:p>
@@ -574,7 +579,7 @@
           <a:p>
             <a:fld id="{B342C968-9667-4170-8EFF-088DC1B6DA55}" type="datetimeFigureOut">
               <a:rPr lang="en-US" smtClean="0"/>
-              <a:t>3/10/2022</a:t>
+              <a:t>3/11/2022</a:t>
             </a:fld>
             <a:endParaRPr lang="en-US"/>
           </a:p>
@@ -805,7 +810,7 @@
           <a:p>
             <a:fld id="{B342C968-9667-4170-8EFF-088DC1B6DA55}" type="datetimeFigureOut">
               <a:rPr lang="en-US" smtClean="0"/>
-              <a:t>3/10/2022</a:t>
+              <a:t>3/11/2022</a:t>
             </a:fld>
             <a:endParaRPr lang="en-US"/>
           </a:p>
@@ -1115,7 +1120,7 @@
           <a:p>
             <a:fld id="{B342C968-9667-4170-8EFF-088DC1B6DA55}" type="datetimeFigureOut">
               <a:rPr lang="en-US" smtClean="0"/>
-              <a:t>3/10/2022</a:t>
+              <a:t>3/11/2022</a:t>
             </a:fld>
             <a:endParaRPr lang="en-US"/>
           </a:p>
@@ -1588,7 +1593,7 @@
           <a:p>
             <a:fld id="{B342C968-9667-4170-8EFF-088DC1B6DA55}" type="datetimeFigureOut">
               <a:rPr lang="en-US" smtClean="0"/>
-              <a:t>3/10/2022</a:t>
+              <a:t>3/11/2022</a:t>
             </a:fld>
             <a:endParaRPr lang="en-US"/>
           </a:p>
@@ -2135,7 +2140,7 @@
           <a:p>
             <a:fld id="{B342C968-9667-4170-8EFF-088DC1B6DA55}" type="datetimeFigureOut">
               <a:rPr lang="en-US" smtClean="0"/>
-              <a:t>3/10/2022</a:t>
+              <a:t>3/11/2022</a:t>
             </a:fld>
             <a:endParaRPr lang="en-US"/>
           </a:p>
@@ -2909,7 +2914,7 @@
           <a:p>
             <a:fld id="{B342C968-9667-4170-8EFF-088DC1B6DA55}" type="datetimeFigureOut">
               <a:rPr lang="en-US" smtClean="0"/>
-              <a:t>3/10/2022</a:t>
+              <a:t>3/11/2022</a:t>
             </a:fld>
             <a:endParaRPr lang="en-US"/>
           </a:p>
@@ -3084,7 +3089,7 @@
           <a:p>
             <a:fld id="{B342C968-9667-4170-8EFF-088DC1B6DA55}" type="datetimeFigureOut">
               <a:rPr lang="en-US" smtClean="0"/>
-              <a:t>3/10/2022</a:t>
+              <a:t>3/11/2022</a:t>
             </a:fld>
             <a:endParaRPr lang="en-US"/>
           </a:p>
@@ -3307,7 +3312,7 @@
           <a:p>
             <a:fld id="{B342C968-9667-4170-8EFF-088DC1B6DA55}" type="datetimeFigureOut">
               <a:rPr lang="en-US" smtClean="0"/>
-              <a:t>3/10/2022</a:t>
+              <a:t>3/11/2022</a:t>
             </a:fld>
             <a:endParaRPr lang="en-US"/>
           </a:p>
@@ -3487,7 +3492,7 @@
           <a:p>
             <a:fld id="{B342C968-9667-4170-8EFF-088DC1B6DA55}" type="datetimeFigureOut">
               <a:rPr lang="en-US" smtClean="0"/>
-              <a:t>3/10/2022</a:t>
+              <a:t>3/11/2022</a:t>
             </a:fld>
             <a:endParaRPr lang="en-US"/>
           </a:p>
@@ -3776,7 +3781,7 @@
           <a:p>
             <a:fld id="{B342C968-9667-4170-8EFF-088DC1B6DA55}" type="datetimeFigureOut">
               <a:rPr lang="en-US" smtClean="0"/>
-              <a:t>3/10/2022</a:t>
+              <a:t>3/11/2022</a:t>
             </a:fld>
             <a:endParaRPr lang="en-US"/>
           </a:p>
@@ -4018,7 +4023,7 @@
           <a:p>
             <a:fld id="{B342C968-9667-4170-8EFF-088DC1B6DA55}" type="datetimeFigureOut">
               <a:rPr lang="en-US" smtClean="0"/>
-              <a:t>3/10/2022</a:t>
+              <a:t>3/11/2022</a:t>
             </a:fld>
             <a:endParaRPr lang="en-US"/>
           </a:p>
@@ -4397,7 +4402,7 @@
           <a:p>
             <a:fld id="{B342C968-9667-4170-8EFF-088DC1B6DA55}" type="datetimeFigureOut">
               <a:rPr lang="en-US" smtClean="0"/>
-              <a:t>3/10/2022</a:t>
+              <a:t>3/11/2022</a:t>
             </a:fld>
             <a:endParaRPr lang="en-US"/>
           </a:p>
@@ -4515,7 +4520,7 @@
           <a:p>
             <a:fld id="{B342C968-9667-4170-8EFF-088DC1B6DA55}" type="datetimeFigureOut">
               <a:rPr lang="en-US" smtClean="0"/>
-              <a:t>3/10/2022</a:t>
+              <a:t>3/11/2022</a:t>
             </a:fld>
             <a:endParaRPr lang="en-US"/>
           </a:p>
@@ -4610,7 +4615,7 @@
           <a:p>
             <a:fld id="{B342C968-9667-4170-8EFF-088DC1B6DA55}" type="datetimeFigureOut">
               <a:rPr lang="en-US" smtClean="0"/>
-              <a:t>3/10/2022</a:t>
+              <a:t>3/11/2022</a:t>
             </a:fld>
             <a:endParaRPr lang="en-US"/>
           </a:p>
@@ -4859,7 +4864,7 @@
           <a:p>
             <a:fld id="{B342C968-9667-4170-8EFF-088DC1B6DA55}" type="datetimeFigureOut">
               <a:rPr lang="en-US" smtClean="0"/>
-              <a:t>3/10/2022</a:t>
+              <a:t>3/11/2022</a:t>
             </a:fld>
             <a:endParaRPr lang="en-US"/>
           </a:p>
@@ -5116,7 +5121,7 @@
           <a:p>
             <a:fld id="{B342C968-9667-4170-8EFF-088DC1B6DA55}" type="datetimeFigureOut">
               <a:rPr lang="en-US" smtClean="0"/>
-              <a:t>3/10/2022</a:t>
+              <a:t>3/11/2022</a:t>
             </a:fld>
             <a:endParaRPr lang="en-US"/>
           </a:p>
@@ -5359,7 +5364,7 @@
           <a:p>
             <a:fld id="{B342C968-9667-4170-8EFF-088DC1B6DA55}" type="datetimeFigureOut">
               <a:rPr lang="en-US" smtClean="0"/>
-              <a:t>3/10/2022</a:t>
+              <a:t>3/11/2022</a:t>
             </a:fld>
             <a:endParaRPr lang="en-US"/>
           </a:p>
@@ -6094,10 +6099,6 @@
               <a:rPr lang="en-US" dirty="0"/>
               <a:t>-Renting y</a:t>
             </a:r>
-            <a:r>
-              <a:rPr lang="en-US" dirty="0"/>
-              <a:t/>
-            </a:r>
             <a:br>
               <a:rPr lang="en-US" dirty="0"/>
             </a:br>
@@ -6137,20 +6138,12 @@
               <a:rPr lang="es-ES" dirty="0"/>
               <a:t>: ofrece una venta a plazos de tecnología. No es un renting, pero es muy similar al</a:t>
             </a:r>
-            <a:r>
-              <a:rPr lang="es-ES" dirty="0"/>
-              <a:t/>
-            </a:r>
             <a:br>
               <a:rPr lang="es-ES" dirty="0"/>
             </a:br>
             <a:r>
               <a:rPr lang="es-ES" dirty="0"/>
               <a:t>fraccionar el pago de los equipos adquiridos.</a:t>
-            </a:r>
-            <a:r>
-              <a:rPr lang="es-ES" dirty="0"/>
-              <a:t/>
             </a:r>
             <a:br>
               <a:rPr lang="es-ES" dirty="0"/>
@@ -6165,10 +6158,6 @@
             <a:r>
               <a:rPr lang="es-ES" dirty="0"/>
               <a:t>Lovers: ofrecen renting de ordenadores a particulares y empresas, así como renting para</a:t>
-            </a:r>
-            <a:r>
-              <a:rPr lang="es-ES" dirty="0"/>
-              <a:t/>
             </a:r>
             <a:br>
               <a:rPr lang="es-ES" dirty="0"/>
@@ -6272,10 +6261,6 @@
             <a:r>
               <a:rPr lang="es-ES" sz="2800" dirty="0"/>
               <a:t>. Se desconoce si también venden a nuestros competidores.</a:t>
-            </a:r>
-            <a:r>
-              <a:rPr lang="es-ES" sz="2800" dirty="0"/>
-              <a:t/>
             </a:r>
             <a:br>
               <a:rPr lang="es-ES" sz="2800" dirty="0"/>
@@ -8228,7 +8213,7 @@
         </p:spPr>
         <p:txBody>
           <a:bodyPr>
-            <a:normAutofit fontScale="90000"/>
+            <a:normAutofit/>
           </a:bodyPr>
           <a:lstStyle/>
           <a:p>
@@ -8241,7 +8226,15 @@
             </a:br>
             <a:r>
               <a:rPr lang="es-ES" sz="3600" dirty="0" smtClean="0"/>
-              <a:t>Estimación de ganancias de los alquileres</a:t>
+              <a:t>Estimación de </a:t>
+            </a:r>
+            <a:r>
+              <a:rPr lang="es-ES" sz="3600" dirty="0" smtClean="0"/>
+              <a:t>ingresos </a:t>
+            </a:r>
+            <a:r>
+              <a:rPr lang="es-ES" sz="3600" dirty="0" smtClean="0"/>
+              <a:t>de los alquileres</a:t>
             </a:r>
             <a:endParaRPr lang="en-US" dirty="0"/>
           </a:p>
@@ -8257,7 +8250,7 @@
             <p:ph idx="1"/>
             <p:extLst>
               <p:ext uri="{D42A27DB-BD31-4B8C-83A1-F6EECF244321}">
-                <p14:modId xmlns:p14="http://schemas.microsoft.com/office/powerpoint/2010/main" val="4159484628"/>
+                <p14:modId xmlns:p14="http://schemas.microsoft.com/office/powerpoint/2010/main" val="33820972"/>
               </p:ext>
             </p:extLst>
           </p:nvPr>
@@ -8380,13 +8373,13 @@
                         </a:spcAft>
                       </a:pPr>
                       <a:r>
-                        <a:rPr lang="en-US" sz="2400" dirty="0" err="1">
-                          <a:effectLst/>
-                        </a:rPr>
-                        <a:t>Ganancias</a:t>
-                      </a:r>
-                      <a:r>
-                        <a:rPr lang="en-US" sz="2400" dirty="0">
+                        <a:rPr lang="en-US" sz="2400" dirty="0" err="1" smtClean="0">
+                          <a:effectLst/>
+                        </a:rPr>
+                        <a:t>Ingresos</a:t>
+                      </a:r>
+                      <a:r>
+                        <a:rPr lang="en-US" sz="2400" dirty="0" smtClean="0">
                           <a:effectLst/>
                         </a:rPr>
                         <a:t> </a:t>
@@ -8972,7 +8965,15 @@
             </a:br>
             <a:r>
               <a:rPr lang="es-ES" sz="3200" dirty="0" smtClean="0"/>
-              <a:t>Estimación de ganancias de las ventas</a:t>
+              <a:t>Estimación de </a:t>
+            </a:r>
+            <a:r>
+              <a:rPr lang="es-ES" sz="3200" dirty="0" smtClean="0"/>
+              <a:t>Ingresos de </a:t>
+            </a:r>
+            <a:r>
+              <a:rPr lang="es-ES" sz="3200" dirty="0" smtClean="0"/>
+              <a:t>las ventas</a:t>
             </a:r>
             <a:endParaRPr lang="en-US" dirty="0"/>
           </a:p>
@@ -9691,7 +9692,15 @@
             </a:br>
             <a:r>
               <a:rPr lang="es-ES" sz="2800" dirty="0" smtClean="0"/>
-              <a:t>Estimación de ganancias con las reparaciones</a:t>
+              <a:t>Estimación de </a:t>
+            </a:r>
+            <a:r>
+              <a:rPr lang="es-ES" sz="2800" dirty="0" smtClean="0"/>
+              <a:t>INGRESOS </a:t>
+            </a:r>
+            <a:r>
+              <a:rPr lang="es-ES" sz="2800" dirty="0" smtClean="0"/>
+              <a:t>con las reparaciones</a:t>
             </a:r>
             <a:endParaRPr lang="en-US" sz="2800" dirty="0"/>
           </a:p>
@@ -9739,7 +9748,11 @@
             </a:pPr>
             <a:r>
               <a:rPr lang="es-ES" sz="2800" b="1" dirty="0" smtClean="0"/>
-              <a:t>Ganancias anuales estimadas: 10.000€</a:t>
+              <a:t>Ingresos </a:t>
+            </a:r>
+            <a:r>
+              <a:rPr lang="es-ES" sz="2800" b="1" dirty="0" smtClean="0"/>
+              <a:t>anuales estimadas: 10.000€</a:t>
             </a:r>
           </a:p>
           <a:p>
@@ -9748,7 +9761,11 @@
             </a:pPr>
             <a:r>
               <a:rPr lang="es-ES" sz="2800" b="1" dirty="0" smtClean="0"/>
-              <a:t>Ganancias mensuales estimadas: 833,33€ </a:t>
+              <a:t>Ingresos mensuales </a:t>
+            </a:r>
+            <a:r>
+              <a:rPr lang="es-ES" sz="2800" b="1" dirty="0" smtClean="0"/>
+              <a:t>estimadas: 833,33€ </a:t>
             </a:r>
             <a:endParaRPr lang="en-US" sz="2800" b="1" dirty="0"/>
           </a:p>
@@ -9815,7 +9832,15 @@
             </a:br>
             <a:r>
               <a:rPr lang="es-ES" sz="3600" dirty="0" smtClean="0"/>
-              <a:t>Estimación de ganancias totales</a:t>
+              <a:t>Estimación de </a:t>
+            </a:r>
+            <a:r>
+              <a:rPr lang="es-ES" sz="3600" dirty="0" smtClean="0"/>
+              <a:t>INGRESOS </a:t>
+            </a:r>
+            <a:r>
+              <a:rPr lang="es-ES" sz="3600" dirty="0" smtClean="0"/>
+              <a:t>totales</a:t>
             </a:r>
             <a:endParaRPr lang="en-US" dirty="0"/>
           </a:p>
@@ -15596,10 +15621,6 @@
             <a:r>
               <a:rPr lang="es-ES" sz="2800" dirty="0"/>
               <a:t>obtener nuevos equipos informáticos, que</a:t>
-            </a:r>
-            <a:r>
-              <a:rPr lang="es-ES" sz="2800" dirty="0"/>
-              <a:t/>
             </a:r>
             <a:br>
               <a:rPr lang="es-ES" sz="2800" dirty="0"/>
@@ -16516,20 +16537,12 @@
               <a:rPr lang="es-ES" sz="2800" dirty="0"/>
               <a:t>encarecimiento de los</a:t>
             </a:r>
-            <a:r>
-              <a:rPr lang="es-ES" sz="2800" dirty="0"/>
-              <a:t/>
-            </a:r>
             <a:br>
               <a:rPr lang="es-ES" sz="2800" dirty="0"/>
             </a:br>
             <a:r>
               <a:rPr lang="es-ES" sz="2800" dirty="0"/>
               <a:t>componentes también hace que la compra de ordenadores sea una opción menos atractiva y</a:t>
-            </a:r>
-            <a:r>
-              <a:rPr lang="es-ES" sz="2800" dirty="0"/>
-              <a:t/>
             </a:r>
             <a:br>
               <a:rPr lang="es-ES" sz="2800" dirty="0"/>
